--- a/Bash_Workshop_Slides.pptx
+++ b/Bash_Workshop_Slides.pptx
@@ -21,12 +21,12 @@
     <p:sldId id="302" r:id="rId12"/>
     <p:sldId id="300" r:id="rId13"/>
     <p:sldId id="303" r:id="rId14"/>
-    <p:sldId id="259" r:id="rId15"/>
-    <p:sldId id="263" r:id="rId16"/>
-    <p:sldId id="305" r:id="rId17"/>
-    <p:sldId id="307" r:id="rId18"/>
-    <p:sldId id="306" r:id="rId19"/>
-    <p:sldId id="264" r:id="rId20"/>
+    <p:sldId id="263" r:id="rId15"/>
+    <p:sldId id="305" r:id="rId16"/>
+    <p:sldId id="307" r:id="rId17"/>
+    <p:sldId id="306" r:id="rId18"/>
+    <p:sldId id="259" r:id="rId19"/>
+    <p:sldId id="308" r:id="rId20"/>
     <p:sldId id="266" r:id="rId21"/>
     <p:sldId id="304" r:id="rId22"/>
   </p:sldIdLst>
@@ -127,6 +127,11 @@
       </a:defRPr>
     </a:lvl9pPr>
   </p:defaultTextStyle>
+  <p:extLst>
+    <p:ext uri="{EFAFB233-063F-42B5-8137-9DF3F51BA10A}">
+      <p15:sldGuideLst xmlns:p15="http://schemas.microsoft.com/office/powerpoint/2012/main"/>
+    </p:ext>
+  </p:extLst>
 </p:presentation>
 </file>
 
@@ -212,7 +217,7 @@
           <a:p>
             <a:fld id="{B10F63EC-0C1A-CD41-803E-FCC63610E1CA}" type="datetimeFigureOut">
               <a:rPr lang="en-US" smtClean="0"/>
-              <a:t>11/6/25</a:t>
+              <a:t>11/13/25</a:t>
             </a:fld>
             <a:endParaRPr lang="en-US"/>
           </a:p>
@@ -847,7 +852,7 @@
           <a:p>
             <a:fld id="{09E72024-3265-7345-BEE8-A433DD160124}" type="datetime1">
               <a:rPr lang="en-US" smtClean="0"/>
-              <a:t>11/6/25</a:t>
+              <a:t>11/13/25</a:t>
             </a:fld>
             <a:endParaRPr lang="en-US"/>
           </a:p>
@@ -1045,7 +1050,7 @@
           <a:p>
             <a:fld id="{A81CFC50-1AE8-5041-842A-88ED7B8D0ED1}" type="datetime1">
               <a:rPr lang="en-US" smtClean="0"/>
-              <a:t>11/6/25</a:t>
+              <a:t>11/13/25</a:t>
             </a:fld>
             <a:endParaRPr lang="en-US"/>
           </a:p>
@@ -1253,7 +1258,7 @@
           <a:p>
             <a:fld id="{C0F40129-A7F9-8E40-8D0C-D0631DDD155E}" type="datetime1">
               <a:rPr lang="en-US" smtClean="0"/>
-              <a:t>11/6/25</a:t>
+              <a:t>11/13/25</a:t>
             </a:fld>
             <a:endParaRPr lang="en-US"/>
           </a:p>
@@ -1451,7 +1456,7 @@
           <a:p>
             <a:fld id="{00591D3F-27E6-9544-9385-C534351C5CB8}" type="datetime1">
               <a:rPr lang="en-US" smtClean="0"/>
-              <a:t>11/6/25</a:t>
+              <a:t>11/13/25</a:t>
             </a:fld>
             <a:endParaRPr lang="en-US"/>
           </a:p>
@@ -1726,7 +1731,7 @@
           <a:p>
             <a:fld id="{256925F9-C4CF-8B42-8835-CE276475044A}" type="datetime1">
               <a:rPr lang="en-US" smtClean="0"/>
-              <a:t>11/6/25</a:t>
+              <a:t>11/13/25</a:t>
             </a:fld>
             <a:endParaRPr lang="en-US"/>
           </a:p>
@@ -1991,7 +1996,7 @@
           <a:p>
             <a:fld id="{EB4EB2CA-E28F-D44A-B092-044A1FAE416D}" type="datetime1">
               <a:rPr lang="en-US" smtClean="0"/>
-              <a:t>11/6/25</a:t>
+              <a:t>11/13/25</a:t>
             </a:fld>
             <a:endParaRPr lang="en-US"/>
           </a:p>
@@ -2403,7 +2408,7 @@
           <a:p>
             <a:fld id="{A4DF7723-367D-A346-8719-E1D6C471E3CF}" type="datetime1">
               <a:rPr lang="en-US" smtClean="0"/>
-              <a:t>11/6/25</a:t>
+              <a:t>11/13/25</a:t>
             </a:fld>
             <a:endParaRPr lang="en-US"/>
           </a:p>
@@ -2544,7 +2549,7 @@
           <a:p>
             <a:fld id="{8E54BF76-233E-B64B-8FEC-DEBBF862B03B}" type="datetime1">
               <a:rPr lang="en-US" smtClean="0"/>
-              <a:t>11/6/25</a:t>
+              <a:t>11/13/25</a:t>
             </a:fld>
             <a:endParaRPr lang="en-US"/>
           </a:p>
@@ -2657,7 +2662,7 @@
           <a:p>
             <a:fld id="{7835FAAF-431C-1E49-A615-5A21464BF191}" type="datetime1">
               <a:rPr lang="en-US" smtClean="0"/>
-              <a:t>11/6/25</a:t>
+              <a:t>11/13/25</a:t>
             </a:fld>
             <a:endParaRPr lang="en-US"/>
           </a:p>
@@ -2968,7 +2973,7 @@
           <a:p>
             <a:fld id="{9B32BF57-AE6D-B344-BBF9-4CF841F54295}" type="datetime1">
               <a:rPr lang="en-US" smtClean="0"/>
-              <a:t>11/6/25</a:t>
+              <a:t>11/13/25</a:t>
             </a:fld>
             <a:endParaRPr lang="en-US"/>
           </a:p>
@@ -3256,7 +3261,7 @@
           <a:p>
             <a:fld id="{A5D98FD3-019E-8C4B-A975-2B8F44C28D1B}" type="datetime1">
               <a:rPr lang="en-US" smtClean="0"/>
-              <a:t>11/6/25</a:t>
+              <a:t>11/13/25</a:t>
             </a:fld>
             <a:endParaRPr lang="en-US"/>
           </a:p>
@@ -3497,7 +3502,7 @@
           <a:p>
             <a:fld id="{AB143BE7-54A7-8142-A044-F58B3A4E8F25}" type="datetime1">
               <a:rPr lang="en-US" smtClean="0"/>
-              <a:t>11/6/25</a:t>
+              <a:t>11/13/25</a:t>
             </a:fld>
             <a:endParaRPr lang="en-US"/>
           </a:p>
@@ -4101,7 +4106,7 @@
 </file>
 
 <file path=ppt/slides/slide10.xml><?xml version="1.0" encoding="utf-8"?>
-<p:sld xmlns:a="http://schemas.openxmlformats.org/drawingml/2006/main" xmlns:r="http://schemas.openxmlformats.org/officeDocument/2006/relationships" xmlns:p="http://schemas.openxmlformats.org/presentationml/2006/main">
+<p:sld xmlns:a="http://schemas.openxmlformats.org/drawingml/2006/main" xmlns:r="http://schemas.openxmlformats.org/officeDocument/2006/relationships" xmlns:p="http://schemas.openxmlformats.org/presentationml/2006/main" show="0">
   <p:cSld>
     <p:spTree>
       <p:nvGrpSpPr>
@@ -9360,7 +9365,7 @@
 </file>
 
 <file path=ppt/slides/slide12.xml><?xml version="1.0" encoding="utf-8"?>
-<p:sld xmlns:a="http://schemas.openxmlformats.org/drawingml/2006/main" xmlns:r="http://schemas.openxmlformats.org/officeDocument/2006/relationships" xmlns:p="http://schemas.openxmlformats.org/presentationml/2006/main">
+<p:sld xmlns:a="http://schemas.openxmlformats.org/drawingml/2006/main" xmlns:r="http://schemas.openxmlformats.org/officeDocument/2006/relationships" xmlns:p="http://schemas.openxmlformats.org/presentationml/2006/main" show="0">
   <p:cSld>
     <p:spTree>
       <p:nvGrpSpPr>
@@ -10251,8 +10256,8 @@
           </p:txBody>
         </p:sp>
       </p:grpSp>
-      <mc:AlternateContent xmlns:mc="http://schemas.openxmlformats.org/markup-compatibility/2006">
-        <mc:Choice xmlns:a14="http://schemas.microsoft.com/office/drawing/2010/main" Requires="a14">
+      <mc:AlternateContent xmlns:mc="http://schemas.openxmlformats.org/markup-compatibility/2006" xmlns:a14="http://schemas.microsoft.com/office/drawing/2010/main">
+        <mc:Choice Requires="a14">
           <p:sp>
             <p:nvSpPr>
               <p:cNvPr id="33" name="object 14">
@@ -10296,7 +10301,7 @@
                   <m:oMath xmlns:m="http://schemas.openxmlformats.org/officeDocument/2006/math">
                     <m:r>
                       <a:rPr lang="en-US" sz="2902" b="1" i="1" spc="18" smtClean="0">
-                        <a:latin typeface="+mj-lt"/>
+                        <a:latin typeface="Cambria Math" panose="02040503050406030204" pitchFamily="18" charset="0"/>
                         <a:ea typeface="Cambria Math" panose="02040503050406030204" pitchFamily="18" charset="0"/>
                         <a:cs typeface="Calibri"/>
                       </a:rPr>
@@ -10426,7 +10431,7 @@
             </p:txBody>
           </p:sp>
         </mc:Choice>
-        <mc:Fallback>
+        <mc:Fallback xmlns="">
           <p:sp>
             <p:nvSpPr>
               <p:cNvPr id="33" name="object 14">
@@ -10541,126 +10546,6 @@
           <p:cNvPr id="2" name="Title 1">
             <a:extLst>
               <a:ext uri="{FF2B5EF4-FFF2-40B4-BE49-F238E27FC236}">
-                <a16:creationId xmlns:a16="http://schemas.microsoft.com/office/drawing/2014/main" id="{C8A6B831-7ED2-FBCA-62BB-A4CDE8AF56AC}"/>
-              </a:ext>
-            </a:extLst>
-          </p:cNvPr>
-          <p:cNvSpPr>
-            <a:spLocks noGrp="1"/>
-          </p:cNvSpPr>
-          <p:nvPr>
-            <p:ph type="title"/>
-          </p:nvPr>
-        </p:nvSpPr>
-        <p:spPr/>
-        <p:txBody>
-          <a:bodyPr/>
-          <a:lstStyle/>
-          <a:p>
-            <a:r>
-              <a:rPr lang="en-US" dirty="0"/>
-              <a:t>Exercise</a:t>
-            </a:r>
-          </a:p>
-        </p:txBody>
-      </p:sp>
-      <p:sp>
-        <p:nvSpPr>
-          <p:cNvPr id="3" name="Content Placeholder 2">
-            <a:extLst>
-              <a:ext uri="{FF2B5EF4-FFF2-40B4-BE49-F238E27FC236}">
-                <a16:creationId xmlns:a16="http://schemas.microsoft.com/office/drawing/2014/main" id="{EEB01836-2A1A-CD93-77B2-3EBB73FAF0A6}"/>
-              </a:ext>
-            </a:extLst>
-          </p:cNvPr>
-          <p:cNvSpPr>
-            <a:spLocks noGrp="1"/>
-          </p:cNvSpPr>
-          <p:nvPr>
-            <p:ph idx="1"/>
-          </p:nvPr>
-        </p:nvSpPr>
-        <p:spPr/>
-        <p:txBody>
-          <a:bodyPr>
-            <a:normAutofit/>
-          </a:bodyPr>
-          <a:lstStyle/>
-          <a:p>
-            <a:pPr marL="0" indent="0">
-              <a:buNone/>
-            </a:pPr>
-            <a:r>
-              <a:rPr lang="en-US" dirty="0"/>
-              <a:t>Tiny URL to GitHub Markdown for command line exercise</a:t>
-            </a:r>
-          </a:p>
-        </p:txBody>
-      </p:sp>
-      <p:sp>
-        <p:nvSpPr>
-          <p:cNvPr id="4" name="Slide Number Placeholder 3">
-            <a:extLst>
-              <a:ext uri="{FF2B5EF4-FFF2-40B4-BE49-F238E27FC236}">
-                <a16:creationId xmlns:a16="http://schemas.microsoft.com/office/drawing/2014/main" id="{9AEFDE38-599F-C85B-2CEA-3BA5CCD9AD78}"/>
-              </a:ext>
-            </a:extLst>
-          </p:cNvPr>
-          <p:cNvSpPr>
-            <a:spLocks noGrp="1"/>
-          </p:cNvSpPr>
-          <p:nvPr>
-            <p:ph type="sldNum" sz="quarter" idx="12"/>
-          </p:nvPr>
-        </p:nvSpPr>
-        <p:spPr/>
-        <p:txBody>
-          <a:bodyPr/>
-          <a:lstStyle/>
-          <a:p>
-            <a:fld id="{FFECAB0F-2CA8-3742-B97B-79AB76F5EB0F}" type="slidenum">
-              <a:rPr lang="en-US" smtClean="0"/>
-              <a:t>14</a:t>
-            </a:fld>
-            <a:endParaRPr lang="en-US"/>
-          </a:p>
-        </p:txBody>
-      </p:sp>
-    </p:spTree>
-    <p:extLst>
-      <p:ext uri="{BB962C8B-B14F-4D97-AF65-F5344CB8AC3E}">
-        <p14:creationId xmlns:p14="http://schemas.microsoft.com/office/powerpoint/2010/main" val="3706616691"/>
-      </p:ext>
-    </p:extLst>
-  </p:cSld>
-  <p:clrMapOvr>
-    <a:masterClrMapping/>
-  </p:clrMapOvr>
-</p:sld>
-</file>
-
-<file path=ppt/slides/slide15.xml><?xml version="1.0" encoding="utf-8"?>
-<p:sld xmlns:a="http://schemas.openxmlformats.org/drawingml/2006/main" xmlns:r="http://schemas.openxmlformats.org/officeDocument/2006/relationships" xmlns:p="http://schemas.openxmlformats.org/presentationml/2006/main">
-  <p:cSld>
-    <p:spTree>
-      <p:nvGrpSpPr>
-        <p:cNvPr id="1" name=""/>
-        <p:cNvGrpSpPr/>
-        <p:nvPr/>
-      </p:nvGrpSpPr>
-      <p:grpSpPr>
-        <a:xfrm>
-          <a:off x="0" y="0"/>
-          <a:ext cx="0" cy="0"/>
-          <a:chOff x="0" y="0"/>
-          <a:chExt cx="0" cy="0"/>
-        </a:xfrm>
-      </p:grpSpPr>
-      <p:sp>
-        <p:nvSpPr>
-          <p:cNvPr id="2" name="Title 1">
-            <a:extLst>
-              <a:ext uri="{FF2B5EF4-FFF2-40B4-BE49-F238E27FC236}">
                 <a16:creationId xmlns:a16="http://schemas.microsoft.com/office/drawing/2014/main" id="{5FD3C417-F461-C0DD-1B56-51CAA8CFF078}"/>
               </a:ext>
             </a:extLst>
@@ -10728,57 +10613,6 @@
           </a:p>
           <a:p>
             <a:pPr algn="l"/>
-            <a:r>
-              <a:rPr lang="en-US" b="0" i="0" dirty="0">
-                <a:solidFill>
-                  <a:srgbClr val="000000"/>
-                </a:solidFill>
-                <a:effectLst/>
-                <a:latin typeface="Arial" panose="020B0604020202020204" pitchFamily="34" charset="0"/>
-              </a:rPr>
-              <a:t>Bash reads the file and processes the commands </a:t>
-            </a:r>
-            <a:r>
-              <a:rPr lang="en-US" b="1" i="0" dirty="0">
-                <a:solidFill>
-                  <a:srgbClr val="000000"/>
-                </a:solidFill>
-                <a:effectLst/>
-                <a:latin typeface="Arial" panose="020B0604020202020204" pitchFamily="34" charset="0"/>
-              </a:rPr>
-              <a:t>in order</a:t>
-            </a:r>
-            <a:endParaRPr lang="en-US" dirty="0">
-              <a:solidFill>
-                <a:srgbClr val="000000"/>
-              </a:solidFill>
-              <a:latin typeface="Arial" panose="020B0604020202020204" pitchFamily="34" charset="0"/>
-            </a:endParaRPr>
-          </a:p>
-          <a:p>
-            <a:pPr algn="l"/>
-            <a:r>
-              <a:rPr lang="en-US" b="0" i="0" dirty="0">
-                <a:solidFill>
-                  <a:srgbClr val="000000"/>
-                </a:solidFill>
-                <a:effectLst/>
-                <a:latin typeface="Arial" panose="020B0604020202020204" pitchFamily="34" charset="0"/>
-              </a:rPr>
-              <a:t>Any commands that can be used in the command line can also be used in a script</a:t>
-            </a:r>
-          </a:p>
-          <a:p>
-            <a:pPr algn="l"/>
-            <a:r>
-              <a:rPr lang="en-US" dirty="0">
-                <a:solidFill>
-                  <a:srgbClr val="000000"/>
-                </a:solidFill>
-                <a:latin typeface="Arial" panose="020B0604020202020204" pitchFamily="34" charset="0"/>
-              </a:rPr>
-              <a:t>We can add things like variables, loops, and if statements to scripts for complex automation in the command line</a:t>
-            </a:r>
             <a:endParaRPr lang="en-US" b="0" i="0" dirty="0">
               <a:solidFill>
                 <a:srgbClr val="000000"/>
@@ -10788,6 +10622,145 @@
             </a:endParaRPr>
           </a:p>
           <a:p>
+            <a:pPr algn="l"/>
+            <a:r>
+              <a:rPr lang="en-US" b="0" i="0" dirty="0">
+                <a:solidFill>
+                  <a:srgbClr val="000000"/>
+                </a:solidFill>
+                <a:effectLst/>
+                <a:latin typeface="Arial" panose="020B0604020202020204" pitchFamily="34" charset="0"/>
+              </a:rPr>
+              <a:t>Bash reads the file and processes the commands </a:t>
+            </a:r>
+            <a:r>
+              <a:rPr lang="en-US" b="1" i="0" dirty="0">
+                <a:solidFill>
+                  <a:srgbClr val="000000"/>
+                </a:solidFill>
+                <a:effectLst/>
+                <a:latin typeface="Arial" panose="020B0604020202020204" pitchFamily="34" charset="0"/>
+              </a:rPr>
+              <a:t>in order</a:t>
+            </a:r>
+          </a:p>
+          <a:p>
+            <a:pPr algn="l"/>
+            <a:endParaRPr lang="en-US" dirty="0">
+              <a:solidFill>
+                <a:srgbClr val="000000"/>
+              </a:solidFill>
+              <a:latin typeface="Arial" panose="020B0604020202020204" pitchFamily="34" charset="0"/>
+            </a:endParaRPr>
+          </a:p>
+          <a:p>
+            <a:pPr algn="l"/>
+            <a:r>
+              <a:rPr lang="en-US" b="0" i="0" dirty="0">
+                <a:solidFill>
+                  <a:srgbClr val="000000"/>
+                </a:solidFill>
+                <a:effectLst/>
+                <a:latin typeface="Arial" panose="020B0604020202020204" pitchFamily="34" charset="0"/>
+              </a:rPr>
+              <a:t>Any </a:t>
+            </a:r>
+            <a:r>
+              <a:rPr lang="en-US" b="1" i="0" dirty="0">
+                <a:solidFill>
+                  <a:srgbClr val="000000"/>
+                </a:solidFill>
+                <a:effectLst/>
+                <a:latin typeface="Arial" panose="020B0604020202020204" pitchFamily="34" charset="0"/>
+              </a:rPr>
+              <a:t>commands</a:t>
+            </a:r>
+            <a:r>
+              <a:rPr lang="en-US" b="0" i="0" dirty="0">
+                <a:solidFill>
+                  <a:srgbClr val="000000"/>
+                </a:solidFill>
+                <a:effectLst/>
+                <a:latin typeface="Arial" panose="020B0604020202020204" pitchFamily="34" charset="0"/>
+              </a:rPr>
+              <a:t> that can be used in the command line can also be used in a script</a:t>
+            </a:r>
+          </a:p>
+          <a:p>
+            <a:pPr algn="l"/>
+            <a:endParaRPr lang="en-US" b="0" i="0" dirty="0">
+              <a:solidFill>
+                <a:srgbClr val="000000"/>
+              </a:solidFill>
+              <a:effectLst/>
+              <a:latin typeface="Arial" panose="020B0604020202020204" pitchFamily="34" charset="0"/>
+            </a:endParaRPr>
+          </a:p>
+          <a:p>
+            <a:pPr algn="l"/>
+            <a:r>
+              <a:rPr lang="en-US" dirty="0">
+                <a:solidFill>
+                  <a:srgbClr val="000000"/>
+                </a:solidFill>
+                <a:latin typeface="Arial" panose="020B0604020202020204" pitchFamily="34" charset="0"/>
+              </a:rPr>
+              <a:t>We can add things like </a:t>
+            </a:r>
+            <a:r>
+              <a:rPr lang="en-US" b="1" dirty="0">
+                <a:solidFill>
+                  <a:srgbClr val="000000"/>
+                </a:solidFill>
+                <a:latin typeface="Arial" panose="020B0604020202020204" pitchFamily="34" charset="0"/>
+              </a:rPr>
+              <a:t>variables</a:t>
+            </a:r>
+            <a:r>
+              <a:rPr lang="en-US" dirty="0">
+                <a:solidFill>
+                  <a:srgbClr val="000000"/>
+                </a:solidFill>
+                <a:latin typeface="Arial" panose="020B0604020202020204" pitchFamily="34" charset="0"/>
+              </a:rPr>
+              <a:t>, </a:t>
+            </a:r>
+            <a:r>
+              <a:rPr lang="en-US" b="1" dirty="0">
+                <a:solidFill>
+                  <a:srgbClr val="000000"/>
+                </a:solidFill>
+                <a:latin typeface="Arial" panose="020B0604020202020204" pitchFamily="34" charset="0"/>
+              </a:rPr>
+              <a:t>loops</a:t>
+            </a:r>
+            <a:r>
+              <a:rPr lang="en-US" dirty="0">
+                <a:solidFill>
+                  <a:srgbClr val="000000"/>
+                </a:solidFill>
+                <a:latin typeface="Arial" panose="020B0604020202020204" pitchFamily="34" charset="0"/>
+              </a:rPr>
+              <a:t>, and </a:t>
+            </a:r>
+            <a:r>
+              <a:rPr lang="en-US" b="1" dirty="0">
+                <a:solidFill>
+                  <a:srgbClr val="000000"/>
+                </a:solidFill>
+                <a:latin typeface="Arial" panose="020B0604020202020204" pitchFamily="34" charset="0"/>
+              </a:rPr>
+              <a:t>if-statements</a:t>
+            </a:r>
+            <a:r>
+              <a:rPr lang="en-US" dirty="0">
+                <a:solidFill>
+                  <a:srgbClr val="000000"/>
+                </a:solidFill>
+                <a:latin typeface="Arial" panose="020B0604020202020204" pitchFamily="34" charset="0"/>
+              </a:rPr>
+              <a:t> to scripts for complex automation</a:t>
+            </a:r>
             <a:endParaRPr lang="en-US" dirty="0"/>
           </a:p>
         </p:txBody>
@@ -10815,9 +10788,48 @@
           <a:p>
             <a:fld id="{FFECAB0F-2CA8-3742-B97B-79AB76F5EB0F}" type="slidenum">
               <a:rPr lang="en-US" smtClean="0"/>
-              <a:t>15</a:t>
+              <a:t>14</a:t>
             </a:fld>
             <a:endParaRPr lang="en-US"/>
+          </a:p>
+        </p:txBody>
+      </p:sp>
+      <p:sp>
+        <p:nvSpPr>
+          <p:cNvPr id="5" name="TextBox 4">
+            <a:extLst>
+              <a:ext uri="{FF2B5EF4-FFF2-40B4-BE49-F238E27FC236}">
+                <a16:creationId xmlns:a16="http://schemas.microsoft.com/office/drawing/2014/main" id="{821D7E6E-50BF-0B12-19CE-015B763B6152}"/>
+              </a:ext>
+            </a:extLst>
+          </p:cNvPr>
+          <p:cNvSpPr txBox="1"/>
+          <p:nvPr/>
+        </p:nvSpPr>
+        <p:spPr>
+          <a:xfrm rot="603485">
+            <a:off x="8447570" y="925904"/>
+            <a:ext cx="2501006" cy="584775"/>
+          </a:xfrm>
+          <a:prstGeom prst="rect">
+            <a:avLst/>
+          </a:prstGeom>
+          <a:noFill/>
+        </p:spPr>
+        <p:txBody>
+          <a:bodyPr wrap="none" rtlCol="0">
+            <a:spAutoFit/>
+          </a:bodyPr>
+          <a:lstStyle/>
+          <a:p>
+            <a:r>
+              <a:rPr lang="en-US" sz="3200" b="1" dirty="0">
+                <a:solidFill>
+                  <a:srgbClr val="FF0000"/>
+                </a:solidFill>
+              </a:rPr>
+              <a:t>Automate!!!!</a:t>
+            </a:r>
           </a:p>
         </p:txBody>
       </p:sp>
@@ -10834,7 +10846,7 @@
 </p:sld>
 </file>
 
-<file path=ppt/slides/slide16.xml><?xml version="1.0" encoding="utf-8"?>
+<file path=ppt/slides/slide15.xml><?xml version="1.0" encoding="utf-8"?>
 <p:sld xmlns:a="http://schemas.openxmlformats.org/drawingml/2006/main" xmlns:r="http://schemas.openxmlformats.org/officeDocument/2006/relationships" xmlns:p="http://schemas.openxmlformats.org/presentationml/2006/main">
   <p:cSld>
     <p:spTree>
@@ -10902,7 +10914,7 @@
           <a:p>
             <a:fld id="{FFECAB0F-2CA8-3742-B97B-79AB76F5EB0F}" type="slidenum">
               <a:rPr lang="en-US" smtClean="0"/>
-              <a:t>16</a:t>
+              <a:t>15</a:t>
             </a:fld>
             <a:endParaRPr lang="en-US"/>
           </a:p>
@@ -12239,7 +12251,7 @@
 </p:sld>
 </file>
 
-<file path=ppt/slides/slide17.xml><?xml version="1.0" encoding="utf-8"?>
+<file path=ppt/slides/slide16.xml><?xml version="1.0" encoding="utf-8"?>
 <p:sld xmlns:a="http://schemas.openxmlformats.org/drawingml/2006/main" xmlns:r="http://schemas.openxmlformats.org/officeDocument/2006/relationships" xmlns:p="http://schemas.openxmlformats.org/presentationml/2006/main">
   <p:cSld>
     <p:spTree>
@@ -13818,7 +13830,7 @@
           <a:p>
             <a:fld id="{FFECAB0F-2CA8-3742-B97B-79AB76F5EB0F}" type="slidenum">
               <a:rPr lang="en-US" smtClean="0"/>
-              <a:t>17</a:t>
+              <a:t>16</a:t>
             </a:fld>
             <a:endParaRPr lang="en-US"/>
           </a:p>
@@ -13837,7 +13849,7 @@
 </p:sld>
 </file>
 
-<file path=ppt/slides/slide18.xml><?xml version="1.0" encoding="utf-8"?>
+<file path=ppt/slides/slide17.xml><?xml version="1.0" encoding="utf-8"?>
 <p:sld xmlns:a="http://schemas.openxmlformats.org/drawingml/2006/main" xmlns:r="http://schemas.openxmlformats.org/officeDocument/2006/relationships" xmlns:p="http://schemas.openxmlformats.org/presentationml/2006/main" show="0">
   <p:cSld>
     <p:spTree>
@@ -13905,7 +13917,7 @@
           <a:p>
             <a:fld id="{FFECAB0F-2CA8-3742-B97B-79AB76F5EB0F}" type="slidenum">
               <a:rPr lang="en-US" smtClean="0"/>
-              <a:t>18</a:t>
+              <a:t>17</a:t>
             </a:fld>
             <a:endParaRPr lang="en-US" dirty="0"/>
           </a:p>
@@ -15126,6 +15138,174 @@
 </p:sld>
 </file>
 
+<file path=ppt/slides/slide18.xml><?xml version="1.0" encoding="utf-8"?>
+<p:sld xmlns:a="http://schemas.openxmlformats.org/drawingml/2006/main" xmlns:r="http://schemas.openxmlformats.org/officeDocument/2006/relationships" xmlns:p="http://schemas.openxmlformats.org/presentationml/2006/main">
+  <p:cSld>
+    <p:spTree>
+      <p:nvGrpSpPr>
+        <p:cNvPr id="1" name=""/>
+        <p:cNvGrpSpPr/>
+        <p:nvPr/>
+      </p:nvGrpSpPr>
+      <p:grpSpPr>
+        <a:xfrm>
+          <a:off x="0" y="0"/>
+          <a:ext cx="0" cy="0"/>
+          <a:chOff x="0" y="0"/>
+          <a:chExt cx="0" cy="0"/>
+        </a:xfrm>
+      </p:grpSpPr>
+      <p:sp>
+        <p:nvSpPr>
+          <p:cNvPr id="2" name="Title 1">
+            <a:extLst>
+              <a:ext uri="{FF2B5EF4-FFF2-40B4-BE49-F238E27FC236}">
+                <a16:creationId xmlns:a16="http://schemas.microsoft.com/office/drawing/2014/main" id="{C8A6B831-7ED2-FBCA-62BB-A4CDE8AF56AC}"/>
+              </a:ext>
+            </a:extLst>
+          </p:cNvPr>
+          <p:cNvSpPr>
+            <a:spLocks noGrp="1"/>
+          </p:cNvSpPr>
+          <p:nvPr>
+            <p:ph type="title"/>
+          </p:nvPr>
+        </p:nvSpPr>
+        <p:spPr/>
+        <p:txBody>
+          <a:bodyPr/>
+          <a:lstStyle/>
+          <a:p>
+            <a:r>
+              <a:rPr lang="en-US" dirty="0"/>
+              <a:t>Exercise</a:t>
+            </a:r>
+          </a:p>
+        </p:txBody>
+      </p:sp>
+      <p:sp>
+        <p:nvSpPr>
+          <p:cNvPr id="3" name="Content Placeholder 2">
+            <a:extLst>
+              <a:ext uri="{FF2B5EF4-FFF2-40B4-BE49-F238E27FC236}">
+                <a16:creationId xmlns:a16="http://schemas.microsoft.com/office/drawing/2014/main" id="{EEB01836-2A1A-CD93-77B2-3EBB73FAF0A6}"/>
+              </a:ext>
+            </a:extLst>
+          </p:cNvPr>
+          <p:cNvSpPr>
+            <a:spLocks noGrp="1"/>
+          </p:cNvSpPr>
+          <p:nvPr>
+            <p:ph idx="1"/>
+          </p:nvPr>
+        </p:nvSpPr>
+        <p:spPr/>
+        <p:txBody>
+          <a:bodyPr>
+            <a:normAutofit/>
+          </a:bodyPr>
+          <a:lstStyle/>
+          <a:p>
+            <a:pPr marL="0" indent="0">
+              <a:buNone/>
+            </a:pPr>
+            <a:r>
+              <a:rPr lang="en-US" sz="4400" dirty="0">
+                <a:hlinkClick r:id="rId2"/>
+              </a:rPr>
+              <a:t>https://tinyurl.com/CompBioSocBash</a:t>
+            </a:r>
+            <a:r>
+              <a:rPr lang="en-US" sz="4400" dirty="0"/>
+              <a:t> </a:t>
+            </a:r>
+          </a:p>
+          <a:p>
+            <a:pPr marL="0" indent="0">
+              <a:buNone/>
+            </a:pPr>
+            <a:endParaRPr lang="en-US" sz="4400" dirty="0"/>
+          </a:p>
+          <a:p>
+            <a:pPr marL="0" indent="0">
+              <a:buNone/>
+            </a:pPr>
+            <a:endParaRPr lang="en-US" sz="4400" dirty="0"/>
+          </a:p>
+        </p:txBody>
+      </p:sp>
+      <p:sp>
+        <p:nvSpPr>
+          <p:cNvPr id="4" name="Slide Number Placeholder 3">
+            <a:extLst>
+              <a:ext uri="{FF2B5EF4-FFF2-40B4-BE49-F238E27FC236}">
+                <a16:creationId xmlns:a16="http://schemas.microsoft.com/office/drawing/2014/main" id="{9AEFDE38-599F-C85B-2CEA-3BA5CCD9AD78}"/>
+              </a:ext>
+            </a:extLst>
+          </p:cNvPr>
+          <p:cNvSpPr>
+            <a:spLocks noGrp="1"/>
+          </p:cNvSpPr>
+          <p:nvPr>
+            <p:ph type="sldNum" sz="quarter" idx="12"/>
+          </p:nvPr>
+        </p:nvSpPr>
+        <p:spPr/>
+        <p:txBody>
+          <a:bodyPr/>
+          <a:lstStyle/>
+          <a:p>
+            <a:fld id="{FFECAB0F-2CA8-3742-B97B-79AB76F5EB0F}" type="slidenum">
+              <a:rPr lang="en-US" smtClean="0"/>
+              <a:t>18</a:t>
+            </a:fld>
+            <a:endParaRPr lang="en-US"/>
+          </a:p>
+        </p:txBody>
+      </p:sp>
+      <p:pic>
+        <p:nvPicPr>
+          <p:cNvPr id="6" name="Picture 5">
+            <a:extLst>
+              <a:ext uri="{FF2B5EF4-FFF2-40B4-BE49-F238E27FC236}">
+                <a16:creationId xmlns:a16="http://schemas.microsoft.com/office/drawing/2014/main" id="{583182C4-1A2B-5E05-28C0-D472A8700CB0}"/>
+              </a:ext>
+            </a:extLst>
+          </p:cNvPr>
+          <p:cNvPicPr>
+            <a:picLocks noChangeAspect="1"/>
+          </p:cNvPicPr>
+          <p:nvPr/>
+        </p:nvPicPr>
+        <p:blipFill>
+          <a:blip r:embed="rId3"/>
+          <a:stretch>
+            <a:fillRect/>
+          </a:stretch>
+        </p:blipFill>
+        <p:spPr>
+          <a:xfrm>
+            <a:off x="1757157" y="3092824"/>
+            <a:ext cx="2730500" cy="2730500"/>
+          </a:xfrm>
+          <a:prstGeom prst="rect">
+            <a:avLst/>
+          </a:prstGeom>
+        </p:spPr>
+      </p:pic>
+    </p:spTree>
+    <p:extLst>
+      <p:ext uri="{BB962C8B-B14F-4D97-AF65-F5344CB8AC3E}">
+        <p14:creationId xmlns:p14="http://schemas.microsoft.com/office/powerpoint/2010/main" val="3706616691"/>
+      </p:ext>
+    </p:extLst>
+  </p:cSld>
+  <p:clrMapOvr>
+    <a:masterClrMapping/>
+  </p:clrMapOvr>
+</p:sld>
+</file>
+
 <file path=ppt/slides/slide19.xml><?xml version="1.0" encoding="utf-8"?>
 <p:sld xmlns:a="http://schemas.openxmlformats.org/drawingml/2006/main" xmlns:r="http://schemas.openxmlformats.org/officeDocument/2006/relationships" xmlns:p="http://schemas.openxmlformats.org/presentationml/2006/main">
   <p:cSld>
@@ -15148,7 +15328,7 @@
           <p:cNvPr id="2" name="Title 1">
             <a:extLst>
               <a:ext uri="{FF2B5EF4-FFF2-40B4-BE49-F238E27FC236}">
-                <a16:creationId xmlns:a16="http://schemas.microsoft.com/office/drawing/2014/main" id="{72039802-CAFE-21FE-6C66-DC142E1C1FA0}"/>
+                <a16:creationId xmlns:a16="http://schemas.microsoft.com/office/drawing/2014/main" id="{D82397C4-ECF1-EFD1-9A4D-6F4F4D2ACA18}"/>
               </a:ext>
             </a:extLst>
           </p:cNvPr>
@@ -15164,10 +15344,7 @@
           <a:bodyPr/>
           <a:lstStyle/>
           <a:p>
-            <a:r>
-              <a:rPr lang="en-US" dirty="0"/>
-              <a:t>Exercise</a:t>
-            </a:r>
+            <a:endParaRPr lang="en-US" dirty="0"/>
           </a:p>
         </p:txBody>
       </p:sp>
@@ -15176,7 +15353,7 @@
           <p:cNvPr id="3" name="Content Placeholder 2">
             <a:extLst>
               <a:ext uri="{FF2B5EF4-FFF2-40B4-BE49-F238E27FC236}">
-                <a16:creationId xmlns:a16="http://schemas.microsoft.com/office/drawing/2014/main" id="{5718629C-AA25-A2E0-FB2B-F6FF88196F5C}"/>
+                <a16:creationId xmlns:a16="http://schemas.microsoft.com/office/drawing/2014/main" id="{1E03637D-56CB-4621-5DC7-56A3A680B1F5}"/>
               </a:ext>
             </a:extLst>
           </p:cNvPr>
@@ -15192,10 +15369,7 @@
           <a:bodyPr/>
           <a:lstStyle/>
           <a:p>
-            <a:r>
-              <a:rPr lang="en-US" dirty="0"/>
-              <a:t>Tiny URL to Markdown for bash exercise</a:t>
-            </a:r>
+            <a:endParaRPr lang="en-US" dirty="0"/>
           </a:p>
         </p:txBody>
       </p:sp>
@@ -15204,7 +15378,7 @@
           <p:cNvPr id="4" name="Slide Number Placeholder 3">
             <a:extLst>
               <a:ext uri="{FF2B5EF4-FFF2-40B4-BE49-F238E27FC236}">
-                <a16:creationId xmlns:a16="http://schemas.microsoft.com/office/drawing/2014/main" id="{C81AB726-438B-7B98-43B4-9F30DC8CE296}"/>
+                <a16:creationId xmlns:a16="http://schemas.microsoft.com/office/drawing/2014/main" id="{691ACD20-AD55-5C0C-5A53-BC90B84DD91E}"/>
               </a:ext>
             </a:extLst>
           </p:cNvPr>
@@ -15228,10 +15402,40 @@
           </a:p>
         </p:txBody>
       </p:sp>
+      <p:pic>
+        <p:nvPicPr>
+          <p:cNvPr id="6" name="Picture 5">
+            <a:extLst>
+              <a:ext uri="{FF2B5EF4-FFF2-40B4-BE49-F238E27FC236}">
+                <a16:creationId xmlns:a16="http://schemas.microsoft.com/office/drawing/2014/main" id="{638D500F-1B8A-8341-D277-7B706B9CD15A}"/>
+              </a:ext>
+            </a:extLst>
+          </p:cNvPr>
+          <p:cNvPicPr>
+            <a:picLocks noChangeAspect="1"/>
+          </p:cNvPicPr>
+          <p:nvPr/>
+        </p:nvPicPr>
+        <p:blipFill>
+          <a:blip r:embed="rId2"/>
+          <a:stretch>
+            <a:fillRect/>
+          </a:stretch>
+        </p:blipFill>
+        <p:spPr>
+          <a:xfrm>
+            <a:off x="2735262" y="68262"/>
+            <a:ext cx="6721475" cy="6721475"/>
+          </a:xfrm>
+          <a:prstGeom prst="rect">
+            <a:avLst/>
+          </a:prstGeom>
+        </p:spPr>
+      </p:pic>
     </p:spTree>
     <p:extLst>
       <p:ext uri="{BB962C8B-B14F-4D97-AF65-F5344CB8AC3E}">
-        <p14:creationId xmlns:p14="http://schemas.microsoft.com/office/powerpoint/2010/main" val="3171622392"/>
+        <p14:creationId xmlns:p14="http://schemas.microsoft.com/office/powerpoint/2010/main" val="1595625455"/>
       </p:ext>
     </p:extLst>
   </p:cSld>
@@ -15605,7 +15809,7 @@
           <a:p>
             <a:r>
               <a:rPr lang="en-US" dirty="0"/>
-              <a:t>Vim</a:t>
+              <a:t>Appendix: Vim</a:t>
             </a:r>
           </a:p>
         </p:txBody>
@@ -17218,8 +17422,8 @@
         </p:nvSpPr>
         <p:spPr>
           <a:xfrm>
-            <a:off x="7196863" y="5010956"/>
-            <a:ext cx="4541647" cy="369332"/>
+            <a:off x="7196863" y="4866044"/>
+            <a:ext cx="4541647" cy="659155"/>
           </a:xfrm>
           <a:prstGeom prst="rect">
             <a:avLst/>
@@ -17253,6 +17457,34 @@
             </a:r>
             <a:r>
               <a:rPr lang="en-US" sz="1800" spc="-12" dirty="0">
+                <a:latin typeface="Courier New"/>
+                <a:cs typeface="Courier New"/>
+              </a:rPr>
+              <a:t>/</a:t>
+            </a:r>
+          </a:p>
+          <a:p>
+            <a:pPr marL="15356">
+              <a:spcBef>
+                <a:spcPts val="121"/>
+              </a:spcBef>
+            </a:pPr>
+            <a:r>
+              <a:rPr lang="en-US" spc="-12" dirty="0">
+                <a:latin typeface="Courier New"/>
+                <a:cs typeface="Courier New"/>
+              </a:rPr>
+              <a:t>~/c/Documents/</a:t>
+            </a:r>
+            <a:r>
+              <a:rPr lang="en-US" spc="-12" dirty="0" err="1">
+                <a:latin typeface="Courier New"/>
+                <a:cs typeface="Courier New"/>
+              </a:rPr>
+              <a:t>CompBioSoc</a:t>
+            </a:r>
+            <a:r>
+              <a:rPr lang="en-US" spc="-12" dirty="0">
                 <a:latin typeface="Courier New"/>
                 <a:cs typeface="Courier New"/>
               </a:rPr>
@@ -17320,7 +17552,7 @@
         </p:nvSpPr>
         <p:spPr>
           <a:xfrm>
-            <a:off x="7259772" y="4653147"/>
+            <a:off x="7242194" y="4540463"/>
             <a:ext cx="1685077" cy="369332"/>
           </a:xfrm>
           <a:prstGeom prst="rect">
@@ -20276,7 +20508,7 @@
           <p:nvPr>
             <p:extLst>
               <p:ext uri="{D42A27DB-BD31-4B8C-83A1-F6EECF244321}">
-                <p14:modId xmlns:p14="http://schemas.microsoft.com/office/powerpoint/2010/main" val="4201980197"/>
+                <p14:modId xmlns:p14="http://schemas.microsoft.com/office/powerpoint/2010/main" val="4156030318"/>
               </p:ext>
             </p:extLst>
           </p:nvPr>
@@ -20772,7 +21004,7 @@
                           <a:latin typeface="Calibri"/>
                           <a:cs typeface="Calibri"/>
                         </a:rPr>
-                        <a:t>Copy files or directories</a:t>
+                        <a:t>Copy files/directories</a:t>
                       </a:r>
                       <a:endParaRPr sz="1600" dirty="0">
                         <a:latin typeface="Calibri"/>
